--- a/apr/systemTruco.pptx
+++ b/apr/systemTruco.pptx
@@ -13,7 +13,7 @@
     <p:sldId id="322" r:id="rId7"/>
     <p:sldId id="323" r:id="rId8"/>
     <p:sldId id="306" r:id="rId9"/>
-    <p:sldId id="295" r:id="rId10"/>
+    <p:sldId id="324" r:id="rId10"/>
   </p:sldIdLst>
   <p:sldSz cx="9144000" cy="6858000" type="screen4x3"/>
   <p:notesSz cx="6858000" cy="9144000"/>
@@ -8859,44 +8859,180 @@
       </p:grpSpPr>
       <p:sp>
         <p:nvSpPr>
-          <p:cNvPr id="2" name="Título 1"/>
-          <p:cNvSpPr>
-            <a:spLocks noGrp="1"/>
-          </p:cNvSpPr>
-          <p:nvPr>
-            <p:ph type="title"/>
-          </p:nvPr>
-        </p:nvSpPr>
-        <p:spPr>
-          <a:xfrm>
-            <a:off x="0" y="998807"/>
-            <a:ext cx="9144000" cy="4937760"/>
-          </a:xfrm>
-        </p:spPr>
-        <p:txBody>
-          <a:bodyPr>
-            <a:normAutofit/>
-          </a:bodyPr>
-          <a:lstStyle/>
-          <a:p>
-            <a:pPr algn="ctr"/>
-            <a:r>
-              <a:rPr lang="pt-BR" sz="6000" b="1" dirty="0"/>
-              <a:t>OBRIGADO </a:t>
-            </a:r>
-            <a:br>
-              <a:rPr lang="pt-BR" sz="6000" b="1" dirty="0"/>
-            </a:br>
-            <a:endParaRPr lang="pt-BR" sz="6000" b="1" dirty="0"/>
-          </a:p>
-        </p:txBody>
-      </p:sp>
-      <p:sp>
-        <p:nvSpPr>
-          <p:cNvPr id="3" name="CaixaDeTexto 2">
+          <p:cNvPr id="4" name="Retângulo 3">
             <a:extLst>
               <a:ext uri="{FF2B5EF4-FFF2-40B4-BE49-F238E27FC236}">
-                <a16:creationId xmlns:a16="http://schemas.microsoft.com/office/drawing/2014/main" id="{623A7A3C-9EE4-41C9-9734-BFCADDE26963}"/>
+                <a16:creationId xmlns:a16="http://schemas.microsoft.com/office/drawing/2014/main" id="{60107827-77D8-454F-AE0A-4404953F0DD0}"/>
+              </a:ext>
+            </a:extLst>
+          </p:cNvPr>
+          <p:cNvSpPr/>
+          <p:nvPr/>
+        </p:nvSpPr>
+        <p:spPr>
+          <a:xfrm>
+            <a:off x="-119269" y="-119270"/>
+            <a:ext cx="9727095" cy="2796208"/>
+          </a:xfrm>
+          <a:prstGeom prst="rect">
+            <a:avLst/>
+          </a:prstGeom>
+          <a:solidFill>
+            <a:srgbClr val="83AF9B"/>
+          </a:solidFill>
+          <a:ln>
+            <a:solidFill>
+              <a:srgbClr val="83AF9B"/>
+            </a:solidFill>
+          </a:ln>
+        </p:spPr>
+        <p:style>
+          <a:lnRef idx="2">
+            <a:schemeClr val="accent1">
+              <a:shade val="50000"/>
+            </a:schemeClr>
+          </a:lnRef>
+          <a:fillRef idx="1">
+            <a:schemeClr val="accent1"/>
+          </a:fillRef>
+          <a:effectRef idx="0">
+            <a:schemeClr val="accent1"/>
+          </a:effectRef>
+          <a:fontRef idx="minor">
+            <a:schemeClr val="lt1"/>
+          </a:fontRef>
+        </p:style>
+        <p:txBody>
+          <a:bodyPr rtlCol="0" anchor="ctr"/>
+          <a:lstStyle/>
+          <a:p>
+            <a:pPr algn="ctr"/>
+            <a:endParaRPr lang="pt-BR"/>
+          </a:p>
+        </p:txBody>
+      </p:sp>
+      <p:pic>
+        <p:nvPicPr>
+          <p:cNvPr id="3" name="Imagem 2">
+            <a:extLst>
+              <a:ext uri="{FF2B5EF4-FFF2-40B4-BE49-F238E27FC236}">
+                <a16:creationId xmlns:a16="http://schemas.microsoft.com/office/drawing/2014/main" id="{3F3EAA33-0B2B-444A-AF7B-E0051D47A414}"/>
+              </a:ext>
+            </a:extLst>
+          </p:cNvPr>
+          <p:cNvPicPr>
+            <a:picLocks noChangeAspect="1"/>
+          </p:cNvPicPr>
+          <p:nvPr/>
+        </p:nvPicPr>
+        <p:blipFill>
+          <a:blip r:embed="rId2">
+            <a:extLst>
+              <a:ext uri="{28A0092B-C50C-407E-A947-70E740481C1C}">
+                <a14:useLocalDpi xmlns:a14="http://schemas.microsoft.com/office/drawing/2010/main" val="0"/>
+              </a:ext>
+            </a:extLst>
+          </a:blip>
+          <a:stretch>
+            <a:fillRect/>
+          </a:stretch>
+        </p:blipFill>
+        <p:spPr>
+          <a:xfrm>
+            <a:off x="-1020417" y="607113"/>
+            <a:ext cx="11127408" cy="6259167"/>
+          </a:xfrm>
+          <a:prstGeom prst="rect">
+            <a:avLst/>
+          </a:prstGeom>
+        </p:spPr>
+      </p:pic>
+      <p:sp>
+        <p:nvSpPr>
+          <p:cNvPr id="18" name="Título 1">
+            <a:extLst>
+              <a:ext uri="{FF2B5EF4-FFF2-40B4-BE49-F238E27FC236}">
+                <a16:creationId xmlns:a16="http://schemas.microsoft.com/office/drawing/2014/main" id="{C4A116D0-148B-40DF-BAAB-FAEEBA326A61}"/>
+              </a:ext>
+            </a:extLst>
+          </p:cNvPr>
+          <p:cNvSpPr txBox="1">
+            <a:spLocks/>
+          </p:cNvSpPr>
+          <p:nvPr/>
+        </p:nvSpPr>
+        <p:spPr>
+          <a:xfrm>
+            <a:off x="-119269" y="35888"/>
+            <a:ext cx="7886700" cy="1190669"/>
+          </a:xfrm>
+          <a:prstGeom prst="rect">
+            <a:avLst/>
+          </a:prstGeom>
+        </p:spPr>
+        <p:txBody>
+          <a:bodyPr>
+            <a:noAutofit/>
+          </a:bodyPr>
+          <a:lstStyle>
+            <a:lvl1pPr algn="l" defTabSz="914400" rtl="0" eaLnBrk="1" latinLnBrk="0" hangingPunct="1">
+              <a:lnSpc>
+                <a:spcPct val="90000"/>
+              </a:lnSpc>
+              <a:spcBef>
+                <a:spcPct val="0"/>
+              </a:spcBef>
+              <a:buNone/>
+              <a:defRPr sz="4400" kern="1200">
+                <a:solidFill>
+                  <a:schemeClr val="tx1"/>
+                </a:solidFill>
+                <a:latin typeface="+mj-lt"/>
+                <a:ea typeface="+mj-ea"/>
+                <a:cs typeface="+mj-cs"/>
+              </a:defRPr>
+            </a:lvl1pPr>
+          </a:lstStyle>
+          <a:p>
+            <a:pPr algn="ctr"/>
+            <a:r>
+              <a:rPr lang="pt-BR" sz="3600" b="1" spc="-300" dirty="0">
+                <a:solidFill>
+                  <a:schemeClr val="bg1"/>
+                </a:solidFill>
+                <a:latin typeface="Geometos" pitchFamily="2" charset="0"/>
+              </a:rPr>
+              <a:t>SYSTEM</a:t>
+            </a:r>
+            <a:r>
+              <a:rPr lang="pt-BR" sz="3200" b="1" dirty="0">
+                <a:solidFill>
+                  <a:schemeClr val="bg1"/>
+                </a:solidFill>
+              </a:rPr>
+              <a:t> </a:t>
+            </a:r>
+            <a:br>
+              <a:rPr lang="pt-BR" sz="3200" b="1" dirty="0">
+                <a:solidFill>
+                  <a:schemeClr val="bg1"/>
+                </a:solidFill>
+              </a:rPr>
+            </a:br>
+            <a:endParaRPr lang="en-US" sz="3200" b="1" dirty="0">
+              <a:solidFill>
+                <a:schemeClr val="bg1"/>
+              </a:solidFill>
+            </a:endParaRPr>
+          </a:p>
+        </p:txBody>
+      </p:sp>
+      <p:sp>
+        <p:nvSpPr>
+          <p:cNvPr id="20" name="CaixaDeTexto 19">
+            <a:extLst>
+              <a:ext uri="{FF2B5EF4-FFF2-40B4-BE49-F238E27FC236}">
+                <a16:creationId xmlns:a16="http://schemas.microsoft.com/office/drawing/2014/main" id="{60D20BB5-F304-465C-9580-49AA72BAC733}"/>
               </a:ext>
             </a:extLst>
           </p:cNvPr>
@@ -8905,8 +9041,8 @@
         </p:nvSpPr>
         <p:spPr>
           <a:xfrm>
-            <a:off x="2888974" y="3171025"/>
-            <a:ext cx="4545495" cy="646331"/>
+            <a:off x="4344384" y="-119270"/>
+            <a:ext cx="2984367" cy="769441"/>
           </a:xfrm>
           <a:prstGeom prst="rect">
             <a:avLst/>
@@ -8920,157 +9056,45 @@
           <a:lstStyle/>
           <a:p>
             <a:r>
-              <a:rPr lang="pt-BR" sz="3600" dirty="0"/>
-              <a:t>PELA ATENÇÃO!!!</a:t>
-            </a:r>
+              <a:rPr lang="pt-BR" sz="4400" b="1" spc="-150" dirty="0">
+                <a:solidFill>
+                  <a:schemeClr val="bg1"/>
+                </a:solidFill>
+                <a:latin typeface="Geometos" pitchFamily="2" charset="0"/>
+              </a:rPr>
+              <a:t>TRUCO</a:t>
+            </a:r>
+            <a:endParaRPr lang="pt-BR" sz="4400" spc="-150" dirty="0">
+              <a:solidFill>
+                <a:schemeClr val="bg1"/>
+              </a:solidFill>
+              <a:latin typeface="Geometos" pitchFamily="2" charset="0"/>
+            </a:endParaRPr>
           </a:p>
         </p:txBody>
       </p:sp>
     </p:spTree>
     <p:extLst>
       <p:ext uri="{BB962C8B-B14F-4D97-AF65-F5344CB8AC3E}">
-        <p14:creationId xmlns:p14="http://schemas.microsoft.com/office/powerpoint/2010/main" val="3990163436"/>
+        <p14:creationId xmlns:p14="http://schemas.microsoft.com/office/powerpoint/2010/main" val="1368504589"/>
       </p:ext>
     </p:extLst>
   </p:cSld>
   <p:clrMapOvr>
     <a:masterClrMapping/>
   </p:clrMapOvr>
-  <p:timing>
-    <p:tnLst>
-      <p:par>
-        <p:cTn id="1" dur="indefinite" restart="never" nodeType="tmRoot">
-          <p:childTnLst>
-            <p:seq concurrent="1" nextAc="seek">
-              <p:cTn id="2" dur="indefinite" nodeType="mainSeq">
-                <p:childTnLst>
-                  <p:par>
-                    <p:cTn id="3" fill="hold">
-                      <p:stCondLst>
-                        <p:cond delay="indefinite"/>
-                        <p:cond evt="onBegin" delay="0">
-                          <p:tn val="2"/>
-                        </p:cond>
-                      </p:stCondLst>
-                      <p:childTnLst>
-                        <p:par>
-                          <p:cTn id="4" fill="hold">
-                            <p:stCondLst>
-                              <p:cond delay="0"/>
-                            </p:stCondLst>
-                            <p:childTnLst>
-                              <p:par>
-                                <p:cTn id="5" presetID="42" presetClass="entr" presetSubtype="0" fill="hold" grpId="0" nodeType="withEffect">
-                                  <p:stCondLst>
-                                    <p:cond delay="0"/>
-                                  </p:stCondLst>
-                                  <p:childTnLst>
-                                    <p:set>
-                                      <p:cBhvr>
-                                        <p:cTn id="6" dur="1" fill="hold">
-                                          <p:stCondLst>
-                                            <p:cond delay="0"/>
-                                          </p:stCondLst>
-                                        </p:cTn>
-                                        <p:tgtEl>
-                                          <p:spTgt spid="2"/>
-                                        </p:tgtEl>
-                                        <p:attrNameLst>
-                                          <p:attrName>style.visibility</p:attrName>
-                                        </p:attrNameLst>
-                                      </p:cBhvr>
-                                      <p:to>
-                                        <p:strVal val="visible"/>
-                                      </p:to>
-                                    </p:set>
-                                    <p:animEffect transition="in" filter="fade">
-                                      <p:cBhvr>
-                                        <p:cTn id="7" dur="250"/>
-                                        <p:tgtEl>
-                                          <p:spTgt spid="2"/>
-                                        </p:tgtEl>
-                                      </p:cBhvr>
-                                    </p:animEffect>
-                                    <p:anim calcmode="lin" valueType="num">
-                                      <p:cBhvr>
-                                        <p:cTn id="8" dur="250" fill="hold"/>
-                                        <p:tgtEl>
-                                          <p:spTgt spid="2"/>
-                                        </p:tgtEl>
-                                        <p:attrNameLst>
-                                          <p:attrName>ppt_x</p:attrName>
-                                        </p:attrNameLst>
-                                      </p:cBhvr>
-                                      <p:tavLst>
-                                        <p:tav tm="0">
-                                          <p:val>
-                                            <p:strVal val="#ppt_x"/>
-                                          </p:val>
-                                        </p:tav>
-                                        <p:tav tm="100000">
-                                          <p:val>
-                                            <p:strVal val="#ppt_x"/>
-                                          </p:val>
-                                        </p:tav>
-                                      </p:tavLst>
-                                    </p:anim>
-                                    <p:anim calcmode="lin" valueType="num">
-                                      <p:cBhvr>
-                                        <p:cTn id="9" dur="250" fill="hold"/>
-                                        <p:tgtEl>
-                                          <p:spTgt spid="2"/>
-                                        </p:tgtEl>
-                                        <p:attrNameLst>
-                                          <p:attrName>ppt_y</p:attrName>
-                                        </p:attrNameLst>
-                                      </p:cBhvr>
-                                      <p:tavLst>
-                                        <p:tav tm="0">
-                                          <p:val>
-                                            <p:strVal val="#ppt_y+.1"/>
-                                          </p:val>
-                                        </p:tav>
-                                        <p:tav tm="100000">
-                                          <p:val>
-                                            <p:strVal val="#ppt_y"/>
-                                          </p:val>
-                                        </p:tav>
-                                      </p:tavLst>
-                                    </p:anim>
-                                  </p:childTnLst>
-                                </p:cTn>
-                              </p:par>
-                            </p:childTnLst>
-                          </p:cTn>
-                        </p:par>
-                      </p:childTnLst>
-                    </p:cTn>
-                  </p:par>
-                </p:childTnLst>
-              </p:cTn>
-              <p:prevCondLst>
-                <p:cond evt="onPrev" delay="0">
-                  <p:tgtEl>
-                    <p:sldTgt/>
-                  </p:tgtEl>
-                </p:cond>
-              </p:prevCondLst>
-              <p:nextCondLst>
-                <p:cond evt="onNext" delay="0">
-                  <p:tgtEl>
-                    <p:sldTgt/>
-                  </p:tgtEl>
-                </p:cond>
-              </p:nextCondLst>
-            </p:seq>
-          </p:childTnLst>
-        </p:cTn>
-      </p:par>
-    </p:tnLst>
-    <p:bldLst>
-      <p:bldP spid="2" grpId="0"/>
-    </p:bldLst>
-  </p:timing>
+  <mc:AlternateContent xmlns:mc="http://schemas.openxmlformats.org/markup-compatibility/2006" xmlns:p159="http://schemas.microsoft.com/office/powerpoint/2015/09/main">
+    <mc:Choice Requires="p159">
+      <p:transition spd="slow">
+        <p159:morph option="byObject"/>
+      </p:transition>
+    </mc:Choice>
+    <mc:Fallback xmlns="">
+      <p:transition spd="slow">
+        <p:fade/>
+      </p:transition>
+    </mc:Fallback>
+  </mc:AlternateContent>
 </p:sld>
 </file>
 
